--- a/Шаблон презентації для КР.pptx
+++ b/Шаблон презентації для КР.pptx
@@ -252,7 +252,7 @@
       <p15:sldGuideLst xmlns:p15="http://schemas.microsoft.com/office/powerpoint/2012/main"/>
     </p:ext>
     <p:ext uri="GoogleSlidesCustomDataVersion2">
-      <go:slidesCustomData xmlns="" xmlns:mc="http://schemas.openxmlformats.org/markup-compatibility/2006" xmlns:mv="urn:schemas-microsoft-com:mac:vml" xmlns:c="http://schemas.openxmlformats.org/drawingml/2006/chart" xmlns:dgm="http://schemas.openxmlformats.org/drawingml/2006/diagram" xmlns:o="urn:schemas-microsoft-com:office:office" xmlns:v="urn:schemas-microsoft-com:vml" xmlns:pvml="urn:schemas-microsoft-com:office:powerpoint" xmlns:com="http://schemas.openxmlformats.org/drawingml/2006/compatibility" xmlns:p14="http://schemas.microsoft.com/office/powerpoint/2010/main" xmlns:p15="http://schemas.microsoft.com/office/powerpoint/2012/main" xmlns:ahyp="http://schemas.microsoft.com/office/drawing/2018/hyperlinkcolor" xmlns:go="http://customooxmlschemas.google.com/" r:id="rId12" roundtripDataSignature="AMtx7miTPYRYggo2uSWKIhK4kJW0tGV8UA=="/>
+      <go:slidesCustomData xmlns:go="http://customooxmlschemas.google.com/" xmlns:ahyp="http://schemas.microsoft.com/office/drawing/2018/hyperlinkcolor" xmlns:p15="http://schemas.microsoft.com/office/powerpoint/2012/main" xmlns:p14="http://schemas.microsoft.com/office/powerpoint/2010/main" xmlns:com="http://schemas.openxmlformats.org/drawingml/2006/compatibility" xmlns:pvml="urn:schemas-microsoft-com:office:powerpoint" xmlns:v="urn:schemas-microsoft-com:vml" xmlns:o="urn:schemas-microsoft-com:office:office" xmlns:dgm="http://schemas.openxmlformats.org/drawingml/2006/diagram" xmlns:c="http://schemas.openxmlformats.org/drawingml/2006/chart" xmlns:mv="urn:schemas-microsoft-com:mac:vml" xmlns:mc="http://schemas.openxmlformats.org/markup-compatibility/2006" xmlns="" r:id="rId12" roundtripDataSignature="AMtx7miTPYRYggo2uSWKIhK4kJW0tGV8UA=="/>
     </p:ext>
   </p:extLst>
 </p:presentation>
@@ -9528,7 +9528,7 @@
         <p:push/>
       </p:transition>
     </mc:Choice>
-    <mc:Fallback xmlns="" xmlns:mv="urn:schemas-microsoft-com:mac:vml" xmlns:c="http://schemas.openxmlformats.org/drawingml/2006/chart" xmlns:dgm="http://schemas.openxmlformats.org/drawingml/2006/diagram" xmlns:o="urn:schemas-microsoft-com:office:office" xmlns:v="urn:schemas-microsoft-com:vml" xmlns:pvml="urn:schemas-microsoft-com:office:powerpoint" xmlns:com="http://schemas.openxmlformats.org/drawingml/2006/compatibility" xmlns:p15="http://schemas.microsoft.com/office/powerpoint/2012/main" xmlns:ahyp="http://schemas.microsoft.com/office/drawing/2018/hyperlinkcolor">
+    <mc:Fallback xmlns:ahyp="http://schemas.microsoft.com/office/drawing/2018/hyperlinkcolor" xmlns:p15="http://schemas.microsoft.com/office/powerpoint/2012/main" xmlns:com="http://schemas.openxmlformats.org/drawingml/2006/compatibility" xmlns:pvml="urn:schemas-microsoft-com:office:powerpoint" xmlns:v="urn:schemas-microsoft-com:vml" xmlns:o="urn:schemas-microsoft-com:office:office" xmlns:dgm="http://schemas.openxmlformats.org/drawingml/2006/diagram" xmlns:c="http://schemas.openxmlformats.org/drawingml/2006/chart" xmlns:mv="urn:schemas-microsoft-com:mac:vml" xmlns="">
       <p:transition spd="slow">
         <p:fade/>
       </p:transition>
@@ -9766,7 +9766,7 @@
         <p:push/>
       </p:transition>
     </mc:Choice>
-    <mc:Fallback xmlns="" xmlns:mv="urn:schemas-microsoft-com:mac:vml" xmlns:c="http://schemas.openxmlformats.org/drawingml/2006/chart" xmlns:dgm="http://schemas.openxmlformats.org/drawingml/2006/diagram" xmlns:o="urn:schemas-microsoft-com:office:office" xmlns:v="urn:schemas-microsoft-com:vml" xmlns:pvml="urn:schemas-microsoft-com:office:powerpoint" xmlns:com="http://schemas.openxmlformats.org/drawingml/2006/compatibility" xmlns:p15="http://schemas.microsoft.com/office/powerpoint/2012/main" xmlns:ahyp="http://schemas.microsoft.com/office/drawing/2018/hyperlinkcolor">
+    <mc:Fallback xmlns:ahyp="http://schemas.microsoft.com/office/drawing/2018/hyperlinkcolor" xmlns:p15="http://schemas.microsoft.com/office/powerpoint/2012/main" xmlns:com="http://schemas.openxmlformats.org/drawingml/2006/compatibility" xmlns:pvml="urn:schemas-microsoft-com:office:powerpoint" xmlns:v="urn:schemas-microsoft-com:vml" xmlns:o="urn:schemas-microsoft-com:office:office" xmlns:dgm="http://schemas.openxmlformats.org/drawingml/2006/diagram" xmlns:c="http://schemas.openxmlformats.org/drawingml/2006/chart" xmlns:mv="urn:schemas-microsoft-com:mac:vml" xmlns="">
       <p:transition spd="slow">
         <p:fade/>
       </p:transition>
@@ -9883,7 +9883,7 @@
         <p:spPr>
           <a:xfrm>
             <a:off x="11499782" y="282058"/>
-            <a:ext cx="209723" cy="497048"/>
+            <a:ext cx="209723" cy="584735"/>
           </a:xfrm>
           <a:prstGeom prst="rect">
             <a:avLst/>
@@ -9917,7 +9917,7 @@
               <a:buNone/>
             </a:pPr>
             <a:r>
-              <a:rPr lang="en-US" sz="3200" b="0" i="0" u="none" strike="noStrike" cap="none">
+              <a:rPr lang="en-US" sz="3200" b="0" i="0" u="none" strike="noStrike" cap="none" dirty="0">
                 <a:solidFill>
                   <a:srgbClr val="000000"/>
                 </a:solidFill>
@@ -9926,9 +9926,9 @@
                 <a:cs typeface="Calibri"/>
                 <a:sym typeface="Calibri"/>
               </a:rPr>
-              <a:t>5</a:t>
-            </a:r>
-            <a:endParaRPr/>
+              <a:t>4</a:t>
+            </a:r>
+            <a:endParaRPr dirty="0"/>
           </a:p>
         </p:txBody>
       </p:sp>
@@ -9980,7 +9980,7 @@
         <p:push/>
       </p:transition>
     </mc:Choice>
-    <mc:Fallback xmlns="" xmlns:mv="urn:schemas-microsoft-com:mac:vml" xmlns:c="http://schemas.openxmlformats.org/drawingml/2006/chart" xmlns:dgm="http://schemas.openxmlformats.org/drawingml/2006/diagram" xmlns:o="urn:schemas-microsoft-com:office:office" xmlns:v="urn:schemas-microsoft-com:vml" xmlns:pvml="urn:schemas-microsoft-com:office:powerpoint" xmlns:com="http://schemas.openxmlformats.org/drawingml/2006/compatibility" xmlns:p15="http://schemas.microsoft.com/office/powerpoint/2012/main" xmlns:ahyp="http://schemas.microsoft.com/office/drawing/2018/hyperlinkcolor">
+    <mc:Fallback xmlns:ahyp="http://schemas.microsoft.com/office/drawing/2018/hyperlinkcolor" xmlns:p15="http://schemas.microsoft.com/office/powerpoint/2012/main" xmlns:com="http://schemas.openxmlformats.org/drawingml/2006/compatibility" xmlns:pvml="urn:schemas-microsoft-com:office:powerpoint" xmlns:v="urn:schemas-microsoft-com:vml" xmlns:o="urn:schemas-microsoft-com:office:office" xmlns:dgm="http://schemas.openxmlformats.org/drawingml/2006/diagram" xmlns:c="http://schemas.openxmlformats.org/drawingml/2006/chart" xmlns:mv="urn:schemas-microsoft-com:mac:vml" xmlns="">
       <p:transition spd="slow">
         <p:fade/>
       </p:transition>
@@ -10097,7 +10097,7 @@
         <p:spPr>
           <a:xfrm>
             <a:off x="11499782" y="282058"/>
-            <a:ext cx="209723" cy="497048"/>
+            <a:ext cx="209723" cy="584735"/>
           </a:xfrm>
           <a:prstGeom prst="rect">
             <a:avLst/>
@@ -10131,7 +10131,7 @@
               <a:buNone/>
             </a:pPr>
             <a:r>
-              <a:rPr lang="en-US" sz="3200" b="0" i="0" u="none" strike="noStrike" cap="none">
+              <a:rPr lang="en-US" sz="3200" b="0" i="0" u="none" strike="noStrike" cap="none" dirty="0">
                 <a:solidFill>
                   <a:srgbClr val="000000"/>
                 </a:solidFill>
@@ -10140,9 +10140,9 @@
                 <a:cs typeface="Calibri"/>
                 <a:sym typeface="Calibri"/>
               </a:rPr>
-              <a:t>4</a:t>
-            </a:r>
-            <a:endParaRPr/>
+              <a:t>5</a:t>
+            </a:r>
+            <a:endParaRPr dirty="0"/>
           </a:p>
         </p:txBody>
       </p:sp>
@@ -10157,7 +10157,7 @@
         <p:push/>
       </p:transition>
     </mc:Choice>
-    <mc:Fallback xmlns="" xmlns:mv="urn:schemas-microsoft-com:mac:vml" xmlns:c="http://schemas.openxmlformats.org/drawingml/2006/chart" xmlns:dgm="http://schemas.openxmlformats.org/drawingml/2006/diagram" xmlns:o="urn:schemas-microsoft-com:office:office" xmlns:v="urn:schemas-microsoft-com:vml" xmlns:pvml="urn:schemas-microsoft-com:office:powerpoint" xmlns:com="http://schemas.openxmlformats.org/drawingml/2006/compatibility" xmlns:p15="http://schemas.microsoft.com/office/powerpoint/2012/main" xmlns:ahyp="http://schemas.microsoft.com/office/drawing/2018/hyperlinkcolor">
+    <mc:Fallback xmlns:ahyp="http://schemas.microsoft.com/office/drawing/2018/hyperlinkcolor" xmlns:p15="http://schemas.microsoft.com/office/powerpoint/2012/main" xmlns:com="http://schemas.openxmlformats.org/drawingml/2006/compatibility" xmlns:pvml="urn:schemas-microsoft-com:office:powerpoint" xmlns:v="urn:schemas-microsoft-com:vml" xmlns:o="urn:schemas-microsoft-com:office:office" xmlns:dgm="http://schemas.openxmlformats.org/drawingml/2006/diagram" xmlns:c="http://schemas.openxmlformats.org/drawingml/2006/chart" xmlns:mv="urn:schemas-microsoft-com:mac:vml" xmlns="">
       <p:transition spd="slow">
         <p:fade/>
       </p:transition>
@@ -10696,7 +10696,7 @@
         <p:push/>
       </p:transition>
     </mc:Choice>
-    <mc:Fallback xmlns="" xmlns:mv="urn:schemas-microsoft-com:mac:vml" xmlns:c="http://schemas.openxmlformats.org/drawingml/2006/chart" xmlns:dgm="http://schemas.openxmlformats.org/drawingml/2006/diagram" xmlns:o="urn:schemas-microsoft-com:office:office" xmlns:v="urn:schemas-microsoft-com:vml" xmlns:pvml="urn:schemas-microsoft-com:office:powerpoint" xmlns:com="http://schemas.openxmlformats.org/drawingml/2006/compatibility" xmlns:p15="http://schemas.microsoft.com/office/powerpoint/2012/main" xmlns:ahyp="http://schemas.microsoft.com/office/drawing/2018/hyperlinkcolor">
+    <mc:Fallback xmlns:ahyp="http://schemas.microsoft.com/office/drawing/2018/hyperlinkcolor" xmlns:p15="http://schemas.microsoft.com/office/powerpoint/2012/main" xmlns:com="http://schemas.openxmlformats.org/drawingml/2006/compatibility" xmlns:pvml="urn:schemas-microsoft-com:office:powerpoint" xmlns:v="urn:schemas-microsoft-com:vml" xmlns:o="urn:schemas-microsoft-com:office:office" xmlns:dgm="http://schemas.openxmlformats.org/drawingml/2006/diagram" xmlns:c="http://schemas.openxmlformats.org/drawingml/2006/chart" xmlns:mv="urn:schemas-microsoft-com:mac:vml" xmlns="">
       <p:transition spd="slow">
         <p:fade/>
       </p:transition>
